--- a/Apresentação1.pptx
+++ b/Apresentação1.pptx
@@ -12,6 +12,7 @@
     <p:sldId id="260" r:id="rId6"/>
     <p:sldId id="261" r:id="rId7"/>
     <p:sldId id="262" r:id="rId8"/>
+    <p:sldId id="263" r:id="rId9"/>
   </p:sldIdLst>
   <p:sldSz cx="12192000" cy="6858000"/>
   <p:notesSz cx="6858000" cy="9144000"/>
@@ -3473,7 +3474,7 @@
         <p:spPr>
           <a:xfrm>
             <a:off x="773438" y="4373148"/>
-            <a:ext cx="4538912" cy="2062103"/>
+            <a:ext cx="4538912" cy="1708160"/>
           </a:xfrm>
           <a:prstGeom prst="rect">
             <a:avLst/>
@@ -3500,7 +3501,7 @@
                 <a:latin typeface="Arial" panose="020B0604020202020204" pitchFamily="34" charset="0"/>
                 <a:cs typeface="Arial" panose="020B0604020202020204" pitchFamily="34" charset="0"/>
               </a:rPr>
-              <a:t>Relé/Relay</a:t>
+              <a:t>LCD  16X2</a:t>
             </a:r>
             <a:endParaRPr lang="pt-BR" sz="2000" b="0" i="0" u="sng" dirty="0">
               <a:solidFill>
@@ -3514,36 +3515,16 @@
           <a:p>
             <a:pPr algn="ctr"/>
             <a:r>
-              <a:rPr lang="pt-BR" b="0" i="0" dirty="0">
+              <a:rPr lang="pt-BR" sz="1700" b="0" i="0" dirty="0">
                 <a:solidFill>
                   <a:srgbClr val="000000"/>
                 </a:solidFill>
                 <a:effectLst/>
                 <a:latin typeface="Candara" panose="020E0502030303020204" pitchFamily="34" charset="0"/>
               </a:rPr>
-              <a:t>O </a:t>
-            </a:r>
-            <a:r>
-              <a:rPr lang="pt-BR" b="1" i="0" dirty="0">
-                <a:solidFill>
-                  <a:srgbClr val="000000"/>
-                </a:solidFill>
-                <a:effectLst/>
-                <a:latin typeface="Candara" panose="020E0502030303020204" pitchFamily="34" charset="0"/>
-              </a:rPr>
-              <a:t>relé</a:t>
-            </a:r>
-            <a:r>
-              <a:rPr lang="pt-BR" b="0" i="0" dirty="0">
-                <a:solidFill>
-                  <a:srgbClr val="000000"/>
-                </a:solidFill>
-                <a:effectLst/>
-                <a:latin typeface="Candara" panose="020E0502030303020204" pitchFamily="34" charset="0"/>
-              </a:rPr>
-              <a:t> é um interruptor eletromecânico, cuja a movimentação física deste interruptor ocorre quando a corrente elétrica percorre as espiras da bobina do relé, criando assim um campo eletromagnético, ativando e desativando tensões elétricas.</a:t>
-            </a:r>
-            <a:endParaRPr lang="pt-BR" dirty="0">
+              <a:t>Ele é um Display de Cristal Líquido de 16 colunas e 2 linhas. Nosso display possui LED backlight (com uma iluminação de fundo) para facilitar as leituras no escuro. A biblioteca LiquidCrystal é a chave para usar facilmente LCDs com Arduino</a:t>
+            </a:r>
+            <a:endParaRPr lang="pt-BR" sz="1700" dirty="0">
               <a:latin typeface="Candara" panose="020E0502030303020204" pitchFamily="34" charset="0"/>
             </a:endParaRPr>
           </a:p>
@@ -3641,10 +3622,10 @@
       </p:pic>
       <p:pic>
         <p:nvPicPr>
-          <p:cNvPr id="3" name="Picture 2" descr="rele">
-            <a:extLst>
-              <a:ext uri="{FF2B5EF4-FFF2-40B4-BE49-F238E27FC236}">
-                <a16:creationId xmlns:a16="http://schemas.microsoft.com/office/drawing/2014/main" id="{9F73D0E5-9AE6-4210-8168-105459C0DC1C}"/>
+          <p:cNvPr id="5" name="Picture 2" descr="Aula 7: Como utilizar o display LCD 16x2? - FilipeFlop">
+            <a:extLst>
+              <a:ext uri="{FF2B5EF4-FFF2-40B4-BE49-F238E27FC236}">
+                <a16:creationId xmlns:a16="http://schemas.microsoft.com/office/drawing/2014/main" id="{C37C4354-F26B-4EFB-AFAE-89EE80BBB1BB}"/>
               </a:ext>
             </a:extLst>
           </p:cNvPr>
@@ -3661,13 +3642,13 @@
               </a:ext>
             </a:extLst>
           </a:blip>
-          <a:srcRect l="6162" t="19394" r="4822" b="10203"/>
+          <a:srcRect l="13183" t="11070" r="16308" b="12376"/>
           <a:stretch/>
         </p:blipFill>
         <p:spPr bwMode="auto">
           <a:xfrm>
-            <a:off x="1685956" y="2226744"/>
-            <a:ext cx="2713875" cy="2146404"/>
+            <a:off x="1474275" y="2698505"/>
+            <a:ext cx="3137237" cy="1674643"/>
           </a:xfrm>
           <a:prstGeom prst="rect">
             <a:avLst/>
@@ -4827,6 +4808,171 @@
     <p:extLst>
       <p:ext uri="{BB962C8B-B14F-4D97-AF65-F5344CB8AC3E}">
         <p14:creationId xmlns:p14="http://schemas.microsoft.com/office/powerpoint/2010/main" val="985335025"/>
+      </p:ext>
+    </p:extLst>
+  </p:cSld>
+  <p:clrMapOvr>
+    <a:masterClrMapping/>
+  </p:clrMapOvr>
+</p:sld>
+</file>
+
+<file path=ppt/slides/slide8.xml><?xml version="1.0" encoding="utf-8"?>
+<p:sld xmlns:a="http://schemas.openxmlformats.org/drawingml/2006/main" xmlns:r="http://schemas.openxmlformats.org/officeDocument/2006/relationships" xmlns:p="http://schemas.openxmlformats.org/presentationml/2006/main">
+  <p:cSld>
+    <p:spTree>
+      <p:nvGrpSpPr>
+        <p:cNvPr id="1" name=""/>
+        <p:cNvGrpSpPr/>
+        <p:nvPr/>
+      </p:nvGrpSpPr>
+      <p:grpSpPr>
+        <a:xfrm>
+          <a:off x="0" y="0"/>
+          <a:ext cx="0" cy="0"/>
+          <a:chOff x="0" y="0"/>
+          <a:chExt cx="0" cy="0"/>
+        </a:xfrm>
+      </p:grpSpPr>
+      <p:pic>
+        <p:nvPicPr>
+          <p:cNvPr id="2050" name="Picture 2" descr="Controlando um LCD 16x2 com Arduino - FilipeFlop">
+            <a:extLst>
+              <a:ext uri="{FF2B5EF4-FFF2-40B4-BE49-F238E27FC236}">
+                <a16:creationId xmlns:a16="http://schemas.microsoft.com/office/drawing/2014/main" id="{C10E90A2-9E8E-49E8-BFF4-1A0A358BADF8}"/>
+              </a:ext>
+            </a:extLst>
+          </p:cNvPr>
+          <p:cNvPicPr>
+            <a:picLocks noChangeAspect="1" noChangeArrowheads="1"/>
+          </p:cNvPicPr>
+          <p:nvPr/>
+        </p:nvPicPr>
+        <p:blipFill>
+          <a:blip r:embed="rId2">
+            <a:extLst>
+              <a:ext uri="{28A0092B-C50C-407E-A947-70E740481C1C}">
+                <a14:useLocalDpi xmlns:a14="http://schemas.microsoft.com/office/drawing/2010/main" val="0"/>
+              </a:ext>
+            </a:extLst>
+          </a:blip>
+          <a:srcRect/>
+          <a:stretch>
+            <a:fillRect/>
+          </a:stretch>
+        </p:blipFill>
+        <p:spPr bwMode="auto">
+          <a:xfrm>
+            <a:off x="0" y="1889477"/>
+            <a:ext cx="7292622" cy="3418364"/>
+          </a:xfrm>
+          <a:prstGeom prst="rect">
+            <a:avLst/>
+          </a:prstGeom>
+          <a:noFill/>
+          <a:extLst>
+            <a:ext uri="{909E8E84-426E-40DD-AFC4-6F175D3DCCD1}">
+              <a14:hiddenFill xmlns:a14="http://schemas.microsoft.com/office/drawing/2010/main">
+                <a:solidFill>
+                  <a:srgbClr val="FFFFFF"/>
+                </a:solidFill>
+              </a14:hiddenFill>
+            </a:ext>
+          </a:extLst>
+        </p:spPr>
+      </p:pic>
+      <p:pic>
+        <p:nvPicPr>
+          <p:cNvPr id="2052" name="Picture 4" descr="Shield LCD 16x2 com Keypad e Arduino - Arduino e Cia">
+            <a:extLst>
+              <a:ext uri="{FF2B5EF4-FFF2-40B4-BE49-F238E27FC236}">
+                <a16:creationId xmlns:a16="http://schemas.microsoft.com/office/drawing/2014/main" id="{4B714189-9C36-457C-BEC8-21260B2754F9}"/>
+              </a:ext>
+            </a:extLst>
+          </p:cNvPr>
+          <p:cNvPicPr>
+            <a:picLocks noChangeAspect="1" noChangeArrowheads="1"/>
+          </p:cNvPicPr>
+          <p:nvPr/>
+        </p:nvPicPr>
+        <p:blipFill rotWithShape="1">
+          <a:blip r:embed="rId3">
+            <a:extLst>
+              <a:ext uri="{28A0092B-C50C-407E-A947-70E740481C1C}">
+                <a14:useLocalDpi xmlns:a14="http://schemas.microsoft.com/office/drawing/2010/main" val="0"/>
+              </a:ext>
+            </a:extLst>
+          </a:blip>
+          <a:srcRect l="19273" r="19818"/>
+          <a:stretch/>
+        </p:blipFill>
+        <p:spPr bwMode="auto">
+          <a:xfrm>
+            <a:off x="8252639" y="2347160"/>
+            <a:ext cx="2912533" cy="2689747"/>
+          </a:xfrm>
+          <a:prstGeom prst="rect">
+            <a:avLst/>
+          </a:prstGeom>
+          <a:noFill/>
+          <a:extLst>
+            <a:ext uri="{909E8E84-426E-40DD-AFC4-6F175D3DCCD1}">
+              <a14:hiddenFill xmlns:a14="http://schemas.microsoft.com/office/drawing/2010/main">
+                <a:solidFill>
+                  <a:srgbClr val="FFFFFF"/>
+                </a:solidFill>
+              </a14:hiddenFill>
+            </a:ext>
+          </a:extLst>
+        </p:spPr>
+      </p:pic>
+      <p:cxnSp>
+        <p:nvCxnSpPr>
+          <p:cNvPr id="6" name="Conector reto 5">
+            <a:extLst>
+              <a:ext uri="{FF2B5EF4-FFF2-40B4-BE49-F238E27FC236}">
+                <a16:creationId xmlns:a16="http://schemas.microsoft.com/office/drawing/2014/main" id="{C4ADD618-E331-4941-92EA-BCF3434B122E}"/>
+              </a:ext>
+            </a:extLst>
+          </p:cNvPr>
+          <p:cNvCxnSpPr>
+            <a:cxnSpLocks/>
+          </p:cNvCxnSpPr>
+          <p:nvPr/>
+        </p:nvCxnSpPr>
+        <p:spPr>
+          <a:xfrm>
+            <a:off x="7772630" y="0"/>
+            <a:ext cx="0" cy="6858000"/>
+          </a:xfrm>
+          <a:prstGeom prst="line">
+            <a:avLst/>
+          </a:prstGeom>
+          <a:ln w="28575">
+            <a:solidFill>
+              <a:schemeClr val="tx1"/>
+            </a:solidFill>
+          </a:ln>
+        </p:spPr>
+        <p:style>
+          <a:lnRef idx="1">
+            <a:schemeClr val="accent1"/>
+          </a:lnRef>
+          <a:fillRef idx="0">
+            <a:schemeClr val="accent1"/>
+          </a:fillRef>
+          <a:effectRef idx="0">
+            <a:schemeClr val="accent1"/>
+          </a:effectRef>
+          <a:fontRef idx="minor">
+            <a:schemeClr val="tx1"/>
+          </a:fontRef>
+        </p:style>
+      </p:cxnSp>
+    </p:spTree>
+    <p:extLst>
+      <p:ext uri="{BB962C8B-B14F-4D97-AF65-F5344CB8AC3E}">
+        <p14:creationId xmlns:p14="http://schemas.microsoft.com/office/powerpoint/2010/main" val="3472695715"/>
       </p:ext>
     </p:extLst>
   </p:cSld>
